--- a/stephane/Docs/Presentation OCT 2019.pptx
+++ b/stephane/Docs/Presentation OCT 2019.pptx
@@ -6,11 +6,18 @@
   </p:sldMasterIdLst>
   <p:sldIdLst>
     <p:sldId id="256" r:id="rId2"/>
-    <p:sldId id="257" r:id="rId3"/>
-    <p:sldId id="258" r:id="rId4"/>
-    <p:sldId id="259" r:id="rId5"/>
+    <p:sldId id="261" r:id="rId3"/>
+    <p:sldId id="257" r:id="rId4"/>
+    <p:sldId id="258" r:id="rId5"/>
     <p:sldId id="260" r:id="rId6"/>
-    <p:sldId id="261" r:id="rId7"/>
+    <p:sldId id="263" r:id="rId7"/>
+    <p:sldId id="262" r:id="rId8"/>
+    <p:sldId id="264" r:id="rId9"/>
+    <p:sldId id="265" r:id="rId10"/>
+    <p:sldId id="266" r:id="rId11"/>
+    <p:sldId id="267" r:id="rId12"/>
+    <p:sldId id="268" r:id="rId13"/>
+    <p:sldId id="269" r:id="rId14"/>
   </p:sldIdLst>
   <p:sldSz cx="12192000" cy="6858000"/>
   <p:notesSz cx="6858000" cy="9144000"/>
@@ -109,6 +116,11 @@
       </a:defRPr>
     </a:lvl9pPr>
   </p:defaultTextStyle>
+  <p:extLst>
+    <p:ext uri="{EFAFB233-063F-42B5-8137-9DF3F51BA10A}">
+      <p15:sldGuideLst xmlns:p15="http://schemas.microsoft.com/office/powerpoint/2012/main"/>
+    </p:ext>
+  </p:extLst>
 </p:presentation>
 </file>
 
@@ -3410,6 +3422,478 @@
 </p:sld>
 </file>
 
+<file path=ppt/slides/slide10.xml><?xml version="1.0" encoding="utf-8"?>
+<p:sld xmlns:a="http://schemas.openxmlformats.org/drawingml/2006/main" xmlns:r="http://schemas.openxmlformats.org/officeDocument/2006/relationships" xmlns:p="http://schemas.openxmlformats.org/presentationml/2006/main">
+  <p:cSld>
+    <p:spTree>
+      <p:nvGrpSpPr>
+        <p:cNvPr id="1" name=""/>
+        <p:cNvGrpSpPr/>
+        <p:nvPr/>
+      </p:nvGrpSpPr>
+      <p:grpSpPr>
+        <a:xfrm>
+          <a:off x="0" y="0"/>
+          <a:ext cx="0" cy="0"/>
+          <a:chOff x="0" y="0"/>
+          <a:chExt cx="0" cy="0"/>
+        </a:xfrm>
+      </p:grpSpPr>
+      <p:pic>
+        <p:nvPicPr>
+          <p:cNvPr id="3" name="Picture 2" descr="A close up of a map&#10;&#10;Description automatically generated">
+            <a:extLst>
+              <a:ext uri="{FF2B5EF4-FFF2-40B4-BE49-F238E27FC236}">
+                <a16:creationId xmlns:a16="http://schemas.microsoft.com/office/drawing/2014/main" id="{D30C5D88-18CA-3147-8489-C6ECCBDF4844}"/>
+              </a:ext>
+            </a:extLst>
+          </p:cNvPr>
+          <p:cNvPicPr>
+            <a:picLocks noChangeAspect="1"/>
+          </p:cNvPicPr>
+          <p:nvPr/>
+        </p:nvPicPr>
+        <p:blipFill>
+          <a:blip r:embed="rId2"/>
+          <a:stretch>
+            <a:fillRect/>
+          </a:stretch>
+        </p:blipFill>
+        <p:spPr>
+          <a:xfrm>
+            <a:off x="0" y="868521"/>
+            <a:ext cx="12192000" cy="5120957"/>
+          </a:xfrm>
+          <a:prstGeom prst="rect">
+            <a:avLst/>
+          </a:prstGeom>
+        </p:spPr>
+      </p:pic>
+      <p:sp>
+        <p:nvSpPr>
+          <p:cNvPr id="4" name="TextBox 3">
+            <a:extLst>
+              <a:ext uri="{FF2B5EF4-FFF2-40B4-BE49-F238E27FC236}">
+                <a16:creationId xmlns:a16="http://schemas.microsoft.com/office/drawing/2014/main" id="{DD5A29C8-4C39-F540-BA32-03E7027C2F6E}"/>
+              </a:ext>
+            </a:extLst>
+          </p:cNvPr>
+          <p:cNvSpPr txBox="1"/>
+          <p:nvPr/>
+        </p:nvSpPr>
+        <p:spPr>
+          <a:xfrm>
+            <a:off x="3179336" y="271847"/>
+            <a:ext cx="5833328" cy="369332"/>
+          </a:xfrm>
+          <a:prstGeom prst="rect">
+            <a:avLst/>
+          </a:prstGeom>
+          <a:noFill/>
+        </p:spPr>
+        <p:txBody>
+          <a:bodyPr wrap="none" rtlCol="0">
+            <a:spAutoFit/>
+          </a:bodyPr>
+          <a:lstStyle/>
+          <a:p>
+            <a:r>
+              <a:rPr lang="fr-FR" dirty="0"/>
+              <a:t>Pourcentage d’activités entremêlées (rejetées) par personne</a:t>
+            </a:r>
+          </a:p>
+        </p:txBody>
+      </p:sp>
+      <p:sp>
+        <p:nvSpPr>
+          <p:cNvPr id="5" name="TextBox 4">
+            <a:extLst>
+              <a:ext uri="{FF2B5EF4-FFF2-40B4-BE49-F238E27FC236}">
+                <a16:creationId xmlns:a16="http://schemas.microsoft.com/office/drawing/2014/main" id="{24669C26-714A-C247-9FEF-7ED0FB6B8F10}"/>
+              </a:ext>
+            </a:extLst>
+          </p:cNvPr>
+          <p:cNvSpPr txBox="1"/>
+          <p:nvPr/>
+        </p:nvSpPr>
+        <p:spPr>
+          <a:xfrm>
+            <a:off x="902043" y="6032154"/>
+            <a:ext cx="10070757" cy="646331"/>
+          </a:xfrm>
+          <a:prstGeom prst="rect">
+            <a:avLst/>
+          </a:prstGeom>
+          <a:noFill/>
+        </p:spPr>
+        <p:txBody>
+          <a:bodyPr wrap="square" rtlCol="0">
+            <a:spAutoFit/>
+          </a:bodyPr>
+          <a:lstStyle/>
+          <a:p>
+            <a:r>
+              <a:rPr lang="fr-FR" dirty="0"/>
+              <a:t>Activité entremêlée : 1 TAG est successivement IN dans une chambre A, IN et OUT dans une chambre B, puis OUT dans la chambre 1 --&gt; </a:t>
+            </a:r>
+            <a:r>
+              <a:rPr lang="fr-FR" i="1" dirty="0"/>
+              <a:t>limite de l’algorithme : ~ 3% d’erreur de classification sur ce critère</a:t>
+            </a:r>
+          </a:p>
+        </p:txBody>
+      </p:sp>
+    </p:spTree>
+    <p:extLst>
+      <p:ext uri="{BB962C8B-B14F-4D97-AF65-F5344CB8AC3E}">
+        <p14:creationId xmlns:p14="http://schemas.microsoft.com/office/powerpoint/2010/main" val="3516121335"/>
+      </p:ext>
+    </p:extLst>
+  </p:cSld>
+  <p:clrMapOvr>
+    <a:masterClrMapping/>
+  </p:clrMapOvr>
+</p:sld>
+</file>
+
+<file path=ppt/slides/slide11.xml><?xml version="1.0" encoding="utf-8"?>
+<p:sld xmlns:a="http://schemas.openxmlformats.org/drawingml/2006/main" xmlns:r="http://schemas.openxmlformats.org/officeDocument/2006/relationships" xmlns:p="http://schemas.openxmlformats.org/presentationml/2006/main">
+  <p:cSld>
+    <p:spTree>
+      <p:nvGrpSpPr>
+        <p:cNvPr id="1" name=""/>
+        <p:cNvGrpSpPr/>
+        <p:nvPr/>
+      </p:nvGrpSpPr>
+      <p:grpSpPr>
+        <a:xfrm>
+          <a:off x="0" y="0"/>
+          <a:ext cx="0" cy="0"/>
+          <a:chOff x="0" y="0"/>
+          <a:chExt cx="0" cy="0"/>
+        </a:xfrm>
+      </p:grpSpPr>
+      <p:pic>
+        <p:nvPicPr>
+          <p:cNvPr id="3" name="Picture 2" descr="A screenshot of a social media post&#10;&#10;Description automatically generated">
+            <a:extLst>
+              <a:ext uri="{FF2B5EF4-FFF2-40B4-BE49-F238E27FC236}">
+                <a16:creationId xmlns:a16="http://schemas.microsoft.com/office/drawing/2014/main" id="{EDD9C945-1069-AD43-ABDA-36C38D7AC2AF}"/>
+              </a:ext>
+            </a:extLst>
+          </p:cNvPr>
+          <p:cNvPicPr>
+            <a:picLocks noChangeAspect="1"/>
+          </p:cNvPicPr>
+          <p:nvPr/>
+        </p:nvPicPr>
+        <p:blipFill>
+          <a:blip r:embed="rId2"/>
+          <a:stretch>
+            <a:fillRect/>
+          </a:stretch>
+        </p:blipFill>
+        <p:spPr>
+          <a:xfrm>
+            <a:off x="0" y="1137773"/>
+            <a:ext cx="12192000" cy="4582453"/>
+          </a:xfrm>
+          <a:prstGeom prst="rect">
+            <a:avLst/>
+          </a:prstGeom>
+        </p:spPr>
+      </p:pic>
+      <p:sp>
+        <p:nvSpPr>
+          <p:cNvPr id="4" name="TextBox 3">
+            <a:extLst>
+              <a:ext uri="{FF2B5EF4-FFF2-40B4-BE49-F238E27FC236}">
+                <a16:creationId xmlns:a16="http://schemas.microsoft.com/office/drawing/2014/main" id="{F432B8EF-1C6D-2842-BBFF-33CD3A27FEB4}"/>
+              </a:ext>
+            </a:extLst>
+          </p:cNvPr>
+          <p:cNvSpPr txBox="1"/>
+          <p:nvPr/>
+        </p:nvSpPr>
+        <p:spPr>
+          <a:xfrm>
+            <a:off x="2377898" y="386366"/>
+            <a:ext cx="7436203" cy="369332"/>
+          </a:xfrm>
+          <a:prstGeom prst="rect">
+            <a:avLst/>
+          </a:prstGeom>
+          <a:noFill/>
+        </p:spPr>
+        <p:txBody>
+          <a:bodyPr wrap="none" rtlCol="0">
+            <a:spAutoFit/>
+          </a:bodyPr>
+          <a:lstStyle/>
+          <a:p>
+            <a:r>
+              <a:rPr lang="fr-FR" dirty="0"/>
+              <a:t>Histogramme des durées d’activité (début IN </a:t>
+            </a:r>
+            <a:r>
+              <a:rPr lang="fr-FR" dirty="0">
+                <a:sym typeface="Wingdings" pitchFamily="2" charset="2"/>
+              </a:rPr>
+              <a:t> fin OUT); N=58, activité valide</a:t>
+            </a:r>
+            <a:endParaRPr lang="fr-FR" dirty="0"/>
+          </a:p>
+        </p:txBody>
+      </p:sp>
+      <p:sp>
+        <p:nvSpPr>
+          <p:cNvPr id="5" name="TextBox 4">
+            <a:extLst>
+              <a:ext uri="{FF2B5EF4-FFF2-40B4-BE49-F238E27FC236}">
+                <a16:creationId xmlns:a16="http://schemas.microsoft.com/office/drawing/2014/main" id="{E65DB04A-289A-3C4B-81AC-554C2B20542B}"/>
+              </a:ext>
+            </a:extLst>
+          </p:cNvPr>
+          <p:cNvSpPr txBox="1"/>
+          <p:nvPr/>
+        </p:nvSpPr>
+        <p:spPr>
+          <a:xfrm>
+            <a:off x="3756454" y="6102301"/>
+            <a:ext cx="5091458" cy="369332"/>
+          </a:xfrm>
+          <a:prstGeom prst="rect">
+            <a:avLst/>
+          </a:prstGeom>
+          <a:noFill/>
+        </p:spPr>
+        <p:txBody>
+          <a:bodyPr wrap="none" rtlCol="0">
+            <a:spAutoFit/>
+          </a:bodyPr>
+          <a:lstStyle/>
+          <a:p>
+            <a:r>
+              <a:rPr lang="fr-FR" dirty="0"/>
+              <a:t>&lt; 1H pour toutes les activité, un mode ~20 secondes</a:t>
+            </a:r>
+          </a:p>
+        </p:txBody>
+      </p:sp>
+    </p:spTree>
+    <p:extLst>
+      <p:ext uri="{BB962C8B-B14F-4D97-AF65-F5344CB8AC3E}">
+        <p14:creationId xmlns:p14="http://schemas.microsoft.com/office/powerpoint/2010/main" val="2426157164"/>
+      </p:ext>
+    </p:extLst>
+  </p:cSld>
+  <p:clrMapOvr>
+    <a:masterClrMapping/>
+  </p:clrMapOvr>
+</p:sld>
+</file>
+
+<file path=ppt/slides/slide12.xml><?xml version="1.0" encoding="utf-8"?>
+<p:sld xmlns:a="http://schemas.openxmlformats.org/drawingml/2006/main" xmlns:r="http://schemas.openxmlformats.org/officeDocument/2006/relationships" xmlns:p="http://schemas.openxmlformats.org/presentationml/2006/main">
+  <p:cSld>
+    <p:spTree>
+      <p:nvGrpSpPr>
+        <p:cNvPr id="1" name=""/>
+        <p:cNvGrpSpPr/>
+        <p:nvPr/>
+      </p:nvGrpSpPr>
+      <p:grpSpPr>
+        <a:xfrm>
+          <a:off x="0" y="0"/>
+          <a:ext cx="0" cy="0"/>
+          <a:chOff x="0" y="0"/>
+          <a:chExt cx="0" cy="0"/>
+        </a:xfrm>
+      </p:grpSpPr>
+      <p:pic>
+        <p:nvPicPr>
+          <p:cNvPr id="3" name="Picture 2" descr="A screenshot of a computer&#10;&#10;Description automatically generated">
+            <a:extLst>
+              <a:ext uri="{FF2B5EF4-FFF2-40B4-BE49-F238E27FC236}">
+                <a16:creationId xmlns:a16="http://schemas.microsoft.com/office/drawing/2014/main" id="{A8E0E965-EAFC-1048-AA0B-F4B30C82271E}"/>
+              </a:ext>
+            </a:extLst>
+          </p:cNvPr>
+          <p:cNvPicPr>
+            <a:picLocks noChangeAspect="1"/>
+          </p:cNvPicPr>
+          <p:nvPr/>
+        </p:nvPicPr>
+        <p:blipFill>
+          <a:blip r:embed="rId2"/>
+          <a:stretch>
+            <a:fillRect/>
+          </a:stretch>
+        </p:blipFill>
+        <p:spPr>
+          <a:xfrm>
+            <a:off x="0" y="710513"/>
+            <a:ext cx="12192000" cy="5436973"/>
+          </a:xfrm>
+          <a:prstGeom prst="rect">
+            <a:avLst/>
+          </a:prstGeom>
+        </p:spPr>
+      </p:pic>
+      <p:sp>
+        <p:nvSpPr>
+          <p:cNvPr id="4" name="TextBox 3">
+            <a:extLst>
+              <a:ext uri="{FF2B5EF4-FFF2-40B4-BE49-F238E27FC236}">
+                <a16:creationId xmlns:a16="http://schemas.microsoft.com/office/drawing/2014/main" id="{480CA6D0-50F1-4A40-A8D6-0660101F28BC}"/>
+              </a:ext>
+            </a:extLst>
+          </p:cNvPr>
+          <p:cNvSpPr txBox="1"/>
+          <p:nvPr/>
+        </p:nvSpPr>
+        <p:spPr>
+          <a:xfrm>
+            <a:off x="2869468" y="213372"/>
+            <a:ext cx="6453063" cy="646331"/>
+          </a:xfrm>
+          <a:prstGeom prst="rect">
+            <a:avLst/>
+          </a:prstGeom>
+          <a:noFill/>
+        </p:spPr>
+        <p:txBody>
+          <a:bodyPr wrap="square" rtlCol="0">
+            <a:spAutoFit/>
+          </a:bodyPr>
+          <a:lstStyle/>
+          <a:p>
+            <a:r>
+              <a:rPr lang="fr-FR" dirty="0" err="1"/>
+              <a:t>Boxplot</a:t>
+            </a:r>
+            <a:r>
+              <a:rPr lang="fr-FR" dirty="0"/>
+              <a:t> des durées d’activité (début IN </a:t>
+            </a:r>
+            <a:r>
+              <a:rPr lang="fr-FR" dirty="0">
+                <a:sym typeface="Wingdings" pitchFamily="2" charset="2"/>
+              </a:rPr>
+              <a:t> fin OUT); N=58, activité valide, par personne</a:t>
+            </a:r>
+            <a:endParaRPr lang="fr-FR" dirty="0"/>
+          </a:p>
+        </p:txBody>
+      </p:sp>
+      <p:sp>
+        <p:nvSpPr>
+          <p:cNvPr id="5" name="TextBox 4">
+            <a:extLst>
+              <a:ext uri="{FF2B5EF4-FFF2-40B4-BE49-F238E27FC236}">
+                <a16:creationId xmlns:a16="http://schemas.microsoft.com/office/drawing/2014/main" id="{6E4DDC5A-7EBF-654E-8E17-450AA642E059}"/>
+              </a:ext>
+            </a:extLst>
+          </p:cNvPr>
+          <p:cNvSpPr txBox="1"/>
+          <p:nvPr/>
+        </p:nvSpPr>
+        <p:spPr>
+          <a:xfrm>
+            <a:off x="4511398" y="6147486"/>
+            <a:ext cx="3169201" cy="369332"/>
+          </a:xfrm>
+          <a:prstGeom prst="rect">
+            <a:avLst/>
+          </a:prstGeom>
+          <a:noFill/>
+        </p:spPr>
+        <p:txBody>
+          <a:bodyPr wrap="none" rtlCol="0">
+            <a:spAutoFit/>
+          </a:bodyPr>
+          <a:lstStyle/>
+          <a:p>
+            <a:r>
+              <a:rPr lang="fr-FR" dirty="0"/>
+              <a:t>Soins infirmier / aide-soignant ?</a:t>
+            </a:r>
+          </a:p>
+        </p:txBody>
+      </p:sp>
+    </p:spTree>
+    <p:extLst>
+      <p:ext uri="{BB962C8B-B14F-4D97-AF65-F5344CB8AC3E}">
+        <p14:creationId xmlns:p14="http://schemas.microsoft.com/office/powerpoint/2010/main" val="2286524119"/>
+      </p:ext>
+    </p:extLst>
+  </p:cSld>
+  <p:clrMapOvr>
+    <a:masterClrMapping/>
+  </p:clrMapOvr>
+</p:sld>
+</file>
+
+<file path=ppt/slides/slide13.xml><?xml version="1.0" encoding="utf-8"?>
+<p:sld xmlns:a="http://schemas.openxmlformats.org/drawingml/2006/main" xmlns:r="http://schemas.openxmlformats.org/officeDocument/2006/relationships" xmlns:p="http://schemas.openxmlformats.org/presentationml/2006/main">
+  <p:cSld>
+    <p:spTree>
+      <p:nvGrpSpPr>
+        <p:cNvPr id="1" name=""/>
+        <p:cNvGrpSpPr/>
+        <p:nvPr/>
+      </p:nvGrpSpPr>
+      <p:grpSpPr>
+        <a:xfrm>
+          <a:off x="0" y="0"/>
+          <a:ext cx="0" cy="0"/>
+          <a:chOff x="0" y="0"/>
+          <a:chExt cx="0" cy="0"/>
+        </a:xfrm>
+      </p:grpSpPr>
+      <p:pic>
+        <p:nvPicPr>
+          <p:cNvPr id="3" name="Picture 2" descr="A close up of a map&#10;&#10;Description automatically generated">
+            <a:extLst>
+              <a:ext uri="{FF2B5EF4-FFF2-40B4-BE49-F238E27FC236}">
+                <a16:creationId xmlns:a16="http://schemas.microsoft.com/office/drawing/2014/main" id="{1A057841-FFA5-854F-BD8A-2D6F78889946}"/>
+              </a:ext>
+            </a:extLst>
+          </p:cNvPr>
+          <p:cNvPicPr>
+            <a:picLocks noChangeAspect="1"/>
+          </p:cNvPicPr>
+          <p:nvPr/>
+        </p:nvPicPr>
+        <p:blipFill>
+          <a:blip r:embed="rId2"/>
+          <a:stretch>
+            <a:fillRect/>
+          </a:stretch>
+        </p:blipFill>
+        <p:spPr>
+          <a:xfrm>
+            <a:off x="1524000" y="0"/>
+            <a:ext cx="9144000" cy="6858000"/>
+          </a:xfrm>
+          <a:prstGeom prst="rect">
+            <a:avLst/>
+          </a:prstGeom>
+        </p:spPr>
+      </p:pic>
+    </p:spTree>
+    <p:extLst>
+      <p:ext uri="{BB962C8B-B14F-4D97-AF65-F5344CB8AC3E}">
+        <p14:creationId xmlns:p14="http://schemas.microsoft.com/office/powerpoint/2010/main" val="3179129089"/>
+      </p:ext>
+    </p:extLst>
+  </p:cSld>
+  <p:clrMapOvr>
+    <a:masterClrMapping/>
+  </p:clrMapOvr>
+</p:sld>
+</file>
+
 <file path=ppt/slides/slide2.xml><?xml version="1.0" encoding="utf-8"?>
 <p:sld xmlns:a="http://schemas.openxmlformats.org/drawingml/2006/main" xmlns:r="http://schemas.openxmlformats.org/officeDocument/2006/relationships" xmlns:p="http://schemas.openxmlformats.org/presentationml/2006/main">
   <p:cSld>
@@ -3429,10 +3913,10 @@
       </p:grpSpPr>
       <p:pic>
         <p:nvPicPr>
-          <p:cNvPr id="5" name="Picture 4" descr="A screenshot of a cell phone&#10;&#10;Description automatically generated">
-            <a:extLst>
-              <a:ext uri="{FF2B5EF4-FFF2-40B4-BE49-F238E27FC236}">
-                <a16:creationId xmlns:a16="http://schemas.microsoft.com/office/drawing/2014/main" id="{EA24C733-0931-FE44-80F6-CD03B4DDE410}"/>
+          <p:cNvPr id="19" name="Picture 18">
+            <a:extLst>
+              <a:ext uri="{FF2B5EF4-FFF2-40B4-BE49-F238E27FC236}">
+                <a16:creationId xmlns:a16="http://schemas.microsoft.com/office/drawing/2014/main" id="{F39E32DB-6D56-D740-AE99-EB6958CE9BBA}"/>
               </a:ext>
             </a:extLst>
           </p:cNvPr>
@@ -3449,18 +3933,637 @@
         </p:blipFill>
         <p:spPr>
           <a:xfrm>
-            <a:off x="0" y="1700030"/>
-            <a:ext cx="12192000" cy="3457940"/>
+            <a:off x="0" y="5572187"/>
+            <a:ext cx="12192000" cy="1071264"/>
           </a:xfrm>
           <a:prstGeom prst="rect">
             <a:avLst/>
           </a:prstGeom>
         </p:spPr>
       </p:pic>
+      <p:sp>
+        <p:nvSpPr>
+          <p:cNvPr id="2" name="TextBox 1">
+            <a:extLst>
+              <a:ext uri="{FF2B5EF4-FFF2-40B4-BE49-F238E27FC236}">
+                <a16:creationId xmlns:a16="http://schemas.microsoft.com/office/drawing/2014/main" id="{65BEDDC8-A647-D94B-9ACC-FC71E32CF685}"/>
+              </a:ext>
+            </a:extLst>
+          </p:cNvPr>
+          <p:cNvSpPr txBox="1"/>
+          <p:nvPr/>
+        </p:nvSpPr>
+        <p:spPr>
+          <a:xfrm>
+            <a:off x="371861" y="759310"/>
+            <a:ext cx="3680944" cy="369332"/>
+          </a:xfrm>
+          <a:prstGeom prst="rect">
+            <a:avLst/>
+          </a:prstGeom>
+          <a:noFill/>
+        </p:spPr>
+        <p:txBody>
+          <a:bodyPr wrap="none" rtlCol="0">
+            <a:spAutoFit/>
+          </a:bodyPr>
+          <a:lstStyle/>
+          <a:p>
+            <a:pPr algn="ctr"/>
+            <a:r>
+              <a:rPr lang="fr-FR" b="1" dirty="0"/>
+              <a:t>Données brutes et données agrégées</a:t>
+            </a:r>
+          </a:p>
+        </p:txBody>
+      </p:sp>
+      <p:pic>
+        <p:nvPicPr>
+          <p:cNvPr id="3" name="Picture 2">
+            <a:extLst>
+              <a:ext uri="{FF2B5EF4-FFF2-40B4-BE49-F238E27FC236}">
+                <a16:creationId xmlns:a16="http://schemas.microsoft.com/office/drawing/2014/main" id="{5E701B00-C08B-D343-B732-8417CE799BDE}"/>
+              </a:ext>
+            </a:extLst>
+          </p:cNvPr>
+          <p:cNvPicPr>
+            <a:picLocks noChangeAspect="1"/>
+          </p:cNvPicPr>
+          <p:nvPr/>
+        </p:nvPicPr>
+        <p:blipFill>
+          <a:blip r:embed="rId3"/>
+          <a:stretch>
+            <a:fillRect/>
+          </a:stretch>
+        </p:blipFill>
+        <p:spPr>
+          <a:xfrm>
+            <a:off x="4732636" y="120568"/>
+            <a:ext cx="5360218" cy="5066507"/>
+          </a:xfrm>
+          <a:prstGeom prst="rect">
+            <a:avLst/>
+          </a:prstGeom>
+        </p:spPr>
+      </p:pic>
+      <p:sp>
+        <p:nvSpPr>
+          <p:cNvPr id="4" name="TextBox 3">
+            <a:extLst>
+              <a:ext uri="{FF2B5EF4-FFF2-40B4-BE49-F238E27FC236}">
+                <a16:creationId xmlns:a16="http://schemas.microsoft.com/office/drawing/2014/main" id="{D87B2CEE-8B21-E14A-80AE-A36AA4EFA92C}"/>
+              </a:ext>
+            </a:extLst>
+          </p:cNvPr>
+          <p:cNvSpPr txBox="1"/>
+          <p:nvPr/>
+        </p:nvSpPr>
+        <p:spPr>
+          <a:xfrm>
+            <a:off x="10290564" y="1586601"/>
+            <a:ext cx="1842171" cy="646331"/>
+          </a:xfrm>
+          <a:prstGeom prst="rect">
+            <a:avLst/>
+          </a:prstGeom>
+          <a:noFill/>
+        </p:spPr>
+        <p:txBody>
+          <a:bodyPr wrap="none" rtlCol="0">
+            <a:spAutoFit/>
+          </a:bodyPr>
+          <a:lstStyle/>
+          <a:p>
+            <a:r>
+              <a:rPr lang="fr-FR" dirty="0"/>
+              <a:t>Données brutes</a:t>
+            </a:r>
+          </a:p>
+          <a:p>
+            <a:r>
+              <a:rPr lang="fr-FR" dirty="0"/>
+              <a:t>4.1 M lignes 2018</a:t>
+            </a:r>
+          </a:p>
+        </p:txBody>
+      </p:sp>
+      <p:sp>
+        <p:nvSpPr>
+          <p:cNvPr id="6" name="TextBox 5">
+            <a:extLst>
+              <a:ext uri="{FF2B5EF4-FFF2-40B4-BE49-F238E27FC236}">
+                <a16:creationId xmlns:a16="http://schemas.microsoft.com/office/drawing/2014/main" id="{D7FBC2C7-F0EF-BC4C-AC07-752C8FD9C8E5}"/>
+              </a:ext>
+            </a:extLst>
+          </p:cNvPr>
+          <p:cNvSpPr txBox="1"/>
+          <p:nvPr/>
+        </p:nvSpPr>
+        <p:spPr>
+          <a:xfrm>
+            <a:off x="10268567" y="4730464"/>
+            <a:ext cx="1906163" cy="646331"/>
+          </a:xfrm>
+          <a:prstGeom prst="rect">
+            <a:avLst/>
+          </a:prstGeom>
+          <a:noFill/>
+        </p:spPr>
+        <p:txBody>
+          <a:bodyPr wrap="none" rtlCol="0">
+            <a:spAutoFit/>
+          </a:bodyPr>
+          <a:lstStyle/>
+          <a:p>
+            <a:r>
+              <a:rPr lang="fr-FR" dirty="0"/>
+              <a:t>Données agrégées</a:t>
+            </a:r>
+          </a:p>
+          <a:p>
+            <a:r>
+              <a:rPr lang="fr-FR" dirty="0"/>
+              <a:t>237 k activités</a:t>
+            </a:r>
+          </a:p>
+        </p:txBody>
+      </p:sp>
+      <p:sp>
+        <p:nvSpPr>
+          <p:cNvPr id="7" name="Down Arrow 6">
+            <a:extLst>
+              <a:ext uri="{FF2B5EF4-FFF2-40B4-BE49-F238E27FC236}">
+                <a16:creationId xmlns:a16="http://schemas.microsoft.com/office/drawing/2014/main" id="{F23D786A-1786-3A49-B70B-CC51FEE12C2A}"/>
+              </a:ext>
+            </a:extLst>
+          </p:cNvPr>
+          <p:cNvSpPr/>
+          <p:nvPr/>
+        </p:nvSpPr>
+        <p:spPr>
+          <a:xfrm>
+            <a:off x="10876175" y="2356170"/>
+            <a:ext cx="273269" cy="2090083"/>
+          </a:xfrm>
+          <a:prstGeom prst="downArrow">
+            <a:avLst/>
+          </a:prstGeom>
+        </p:spPr>
+        <p:style>
+          <a:lnRef idx="2">
+            <a:schemeClr val="accent1">
+              <a:shade val="50000"/>
+            </a:schemeClr>
+          </a:lnRef>
+          <a:fillRef idx="1">
+            <a:schemeClr val="accent1"/>
+          </a:fillRef>
+          <a:effectRef idx="0">
+            <a:schemeClr val="accent1"/>
+          </a:effectRef>
+          <a:fontRef idx="minor">
+            <a:schemeClr val="lt1"/>
+          </a:fontRef>
+        </p:style>
+        <p:txBody>
+          <a:bodyPr rtlCol="0" anchor="ctr"/>
+          <a:lstStyle/>
+          <a:p>
+            <a:pPr algn="ctr"/>
+            <a:endParaRPr lang="fr-FR"/>
+          </a:p>
+        </p:txBody>
+      </p:sp>
+      <p:sp>
+        <p:nvSpPr>
+          <p:cNvPr id="10" name="Oval 9">
+            <a:extLst>
+              <a:ext uri="{FF2B5EF4-FFF2-40B4-BE49-F238E27FC236}">
+                <a16:creationId xmlns:a16="http://schemas.microsoft.com/office/drawing/2014/main" id="{42E9D7CA-075C-FC4C-966E-19DF169127EC}"/>
+              </a:ext>
+            </a:extLst>
+          </p:cNvPr>
+          <p:cNvSpPr/>
+          <p:nvPr/>
+        </p:nvSpPr>
+        <p:spPr>
+          <a:xfrm>
+            <a:off x="9707742" y="936928"/>
+            <a:ext cx="451945" cy="266131"/>
+          </a:xfrm>
+          <a:prstGeom prst="ellipse">
+            <a:avLst/>
+          </a:prstGeom>
+          <a:noFill/>
+          <a:ln>
+            <a:solidFill>
+              <a:schemeClr val="accent6"/>
+            </a:solidFill>
+          </a:ln>
+        </p:spPr>
+        <p:style>
+          <a:lnRef idx="2">
+            <a:schemeClr val="accent1">
+              <a:shade val="50000"/>
+            </a:schemeClr>
+          </a:lnRef>
+          <a:fillRef idx="1">
+            <a:schemeClr val="accent1"/>
+          </a:fillRef>
+          <a:effectRef idx="0">
+            <a:schemeClr val="accent1"/>
+          </a:effectRef>
+          <a:fontRef idx="minor">
+            <a:schemeClr val="lt1"/>
+          </a:fontRef>
+        </p:style>
+        <p:txBody>
+          <a:bodyPr rtlCol="0" anchor="ctr"/>
+          <a:lstStyle/>
+          <a:p>
+            <a:pPr algn="ctr"/>
+            <a:endParaRPr lang="fr-FR" dirty="0"/>
+          </a:p>
+        </p:txBody>
+      </p:sp>
+      <p:sp>
+        <p:nvSpPr>
+          <p:cNvPr id="11" name="Oval 10">
+            <a:extLst>
+              <a:ext uri="{FF2B5EF4-FFF2-40B4-BE49-F238E27FC236}">
+                <a16:creationId xmlns:a16="http://schemas.microsoft.com/office/drawing/2014/main" id="{2CF5E2DC-407A-E14A-9439-7B08D275E836}"/>
+              </a:ext>
+            </a:extLst>
+          </p:cNvPr>
+          <p:cNvSpPr/>
+          <p:nvPr/>
+        </p:nvSpPr>
+        <p:spPr>
+          <a:xfrm>
+            <a:off x="1623032" y="5951417"/>
+            <a:ext cx="451945" cy="266131"/>
+          </a:xfrm>
+          <a:prstGeom prst="ellipse">
+            <a:avLst/>
+          </a:prstGeom>
+          <a:noFill/>
+          <a:ln>
+            <a:solidFill>
+              <a:schemeClr val="accent6"/>
+            </a:solidFill>
+          </a:ln>
+        </p:spPr>
+        <p:style>
+          <a:lnRef idx="2">
+            <a:schemeClr val="accent1">
+              <a:shade val="50000"/>
+            </a:schemeClr>
+          </a:lnRef>
+          <a:fillRef idx="1">
+            <a:schemeClr val="accent1"/>
+          </a:fillRef>
+          <a:effectRef idx="0">
+            <a:schemeClr val="accent1"/>
+          </a:effectRef>
+          <a:fontRef idx="minor">
+            <a:schemeClr val="lt1"/>
+          </a:fontRef>
+        </p:style>
+        <p:txBody>
+          <a:bodyPr rtlCol="0" anchor="ctr"/>
+          <a:lstStyle/>
+          <a:p>
+            <a:pPr algn="ctr"/>
+            <a:endParaRPr lang="fr-FR" dirty="0"/>
+          </a:p>
+        </p:txBody>
+      </p:sp>
+      <p:cxnSp>
+        <p:nvCxnSpPr>
+          <p:cNvPr id="15" name="Straight Connector 14">
+            <a:extLst>
+              <a:ext uri="{FF2B5EF4-FFF2-40B4-BE49-F238E27FC236}">
+                <a16:creationId xmlns:a16="http://schemas.microsoft.com/office/drawing/2014/main" id="{F4DD49F6-6E72-B446-AEEF-2359BBDCC5B7}"/>
+              </a:ext>
+            </a:extLst>
+          </p:cNvPr>
+          <p:cNvCxnSpPr/>
+          <p:nvPr/>
+        </p:nvCxnSpPr>
+        <p:spPr>
+          <a:xfrm>
+            <a:off x="8983362" y="1203059"/>
+            <a:ext cx="0" cy="1811990"/>
+          </a:xfrm>
+          <a:prstGeom prst="line">
+            <a:avLst/>
+          </a:prstGeom>
+          <a:ln w="44450">
+            <a:solidFill>
+              <a:srgbClr val="7030A0"/>
+            </a:solidFill>
+          </a:ln>
+        </p:spPr>
+        <p:style>
+          <a:lnRef idx="1">
+            <a:schemeClr val="accent1"/>
+          </a:lnRef>
+          <a:fillRef idx="0">
+            <a:schemeClr val="accent1"/>
+          </a:fillRef>
+          <a:effectRef idx="0">
+            <a:schemeClr val="accent1"/>
+          </a:effectRef>
+          <a:fontRef idx="minor">
+            <a:schemeClr val="tx1"/>
+          </a:fontRef>
+        </p:style>
+      </p:cxnSp>
+      <p:cxnSp>
+        <p:nvCxnSpPr>
+          <p:cNvPr id="16" name="Straight Connector 15">
+            <a:extLst>
+              <a:ext uri="{FF2B5EF4-FFF2-40B4-BE49-F238E27FC236}">
+                <a16:creationId xmlns:a16="http://schemas.microsoft.com/office/drawing/2014/main" id="{4D80F928-AAD2-9A4F-B505-5AD1BBB72263}"/>
+              </a:ext>
+            </a:extLst>
+          </p:cNvPr>
+          <p:cNvCxnSpPr>
+            <a:cxnSpLocks/>
+          </p:cNvCxnSpPr>
+          <p:nvPr/>
+        </p:nvCxnSpPr>
+        <p:spPr>
+          <a:xfrm>
+            <a:off x="8983362" y="3101546"/>
+            <a:ext cx="0" cy="1186249"/>
+          </a:xfrm>
+          <a:prstGeom prst="line">
+            <a:avLst/>
+          </a:prstGeom>
+          <a:ln w="44450">
+            <a:solidFill>
+              <a:schemeClr val="accent2"/>
+            </a:solidFill>
+          </a:ln>
+        </p:spPr>
+        <p:style>
+          <a:lnRef idx="1">
+            <a:schemeClr val="accent1"/>
+          </a:lnRef>
+          <a:fillRef idx="0">
+            <a:schemeClr val="accent1"/>
+          </a:fillRef>
+          <a:effectRef idx="0">
+            <a:schemeClr val="accent1"/>
+          </a:effectRef>
+          <a:fontRef idx="minor">
+            <a:schemeClr val="tx1"/>
+          </a:fontRef>
+        </p:style>
+      </p:cxnSp>
+      <p:sp>
+        <p:nvSpPr>
+          <p:cNvPr id="20" name="TextBox 19">
+            <a:extLst>
+              <a:ext uri="{FF2B5EF4-FFF2-40B4-BE49-F238E27FC236}">
+                <a16:creationId xmlns:a16="http://schemas.microsoft.com/office/drawing/2014/main" id="{F4B48794-6761-5A42-BC7A-E3F9EF33D72A}"/>
+              </a:ext>
+            </a:extLst>
+          </p:cNvPr>
+          <p:cNvSpPr txBox="1"/>
+          <p:nvPr/>
+        </p:nvSpPr>
+        <p:spPr>
+          <a:xfrm>
+            <a:off x="115614" y="2774731"/>
+            <a:ext cx="4441309" cy="646331"/>
+          </a:xfrm>
+          <a:prstGeom prst="rect">
+            <a:avLst/>
+          </a:prstGeom>
+          <a:noFill/>
+        </p:spPr>
+        <p:txBody>
+          <a:bodyPr wrap="square" rtlCol="0">
+            <a:spAutoFit/>
+          </a:bodyPr>
+          <a:lstStyle/>
+          <a:p>
+            <a:r>
+              <a:rPr lang="fr-FR" dirty="0"/>
+              <a:t>La personne TAG 9 visite de 12 chambres en 1H05 pour 4 prise de SHA.</a:t>
+            </a:r>
+          </a:p>
+        </p:txBody>
+      </p:sp>
+      <p:sp>
+        <p:nvSpPr>
+          <p:cNvPr id="22" name="Rounded Rectangle 21">
+            <a:extLst>
+              <a:ext uri="{FF2B5EF4-FFF2-40B4-BE49-F238E27FC236}">
+                <a16:creationId xmlns:a16="http://schemas.microsoft.com/office/drawing/2014/main" id="{5606EF9D-1C18-124C-809F-48720949B6B0}"/>
+              </a:ext>
+            </a:extLst>
+          </p:cNvPr>
+          <p:cNvSpPr/>
+          <p:nvPr/>
+        </p:nvSpPr>
+        <p:spPr>
+          <a:xfrm flipH="1">
+            <a:off x="5451456" y="1144135"/>
+            <a:ext cx="170869" cy="3168374"/>
+          </a:xfrm>
+          <a:prstGeom prst="roundRect">
+            <a:avLst/>
+          </a:prstGeom>
+          <a:solidFill>
+            <a:schemeClr val="tx1"/>
+          </a:solidFill>
+        </p:spPr>
+        <p:style>
+          <a:lnRef idx="2">
+            <a:schemeClr val="accent1">
+              <a:shade val="50000"/>
+            </a:schemeClr>
+          </a:lnRef>
+          <a:fillRef idx="1">
+            <a:schemeClr val="accent1"/>
+          </a:fillRef>
+          <a:effectRef idx="0">
+            <a:schemeClr val="accent1"/>
+          </a:effectRef>
+          <a:fontRef idx="minor">
+            <a:schemeClr val="lt1"/>
+          </a:fontRef>
+        </p:style>
+        <p:txBody>
+          <a:bodyPr rtlCol="0" anchor="ctr"/>
+          <a:lstStyle/>
+          <a:p>
+            <a:pPr algn="ctr"/>
+            <a:endParaRPr lang="fr-FR"/>
+          </a:p>
+        </p:txBody>
+      </p:sp>
+      <p:sp>
+        <p:nvSpPr>
+          <p:cNvPr id="8" name="Oval 7">
+            <a:extLst>
+              <a:ext uri="{FF2B5EF4-FFF2-40B4-BE49-F238E27FC236}">
+                <a16:creationId xmlns:a16="http://schemas.microsoft.com/office/drawing/2014/main" id="{44369797-9B0E-A446-BC6E-04DA065FCCFB}"/>
+              </a:ext>
+            </a:extLst>
+          </p:cNvPr>
+          <p:cNvSpPr/>
+          <p:nvPr/>
+        </p:nvSpPr>
+        <p:spPr>
+          <a:xfrm>
+            <a:off x="5262840" y="1119421"/>
+            <a:ext cx="451945" cy="266131"/>
+          </a:xfrm>
+          <a:prstGeom prst="ellipse">
+            <a:avLst/>
+          </a:prstGeom>
+          <a:noFill/>
+          <a:ln>
+            <a:solidFill>
+              <a:srgbClr val="FF0000"/>
+            </a:solidFill>
+          </a:ln>
+        </p:spPr>
+        <p:style>
+          <a:lnRef idx="2">
+            <a:schemeClr val="accent1">
+              <a:shade val="50000"/>
+            </a:schemeClr>
+          </a:lnRef>
+          <a:fillRef idx="1">
+            <a:schemeClr val="accent1"/>
+          </a:fillRef>
+          <a:effectRef idx="0">
+            <a:schemeClr val="accent1"/>
+          </a:effectRef>
+          <a:fontRef idx="minor">
+            <a:schemeClr val="lt1"/>
+          </a:fontRef>
+        </p:style>
+        <p:txBody>
+          <a:bodyPr rtlCol="0" anchor="ctr"/>
+          <a:lstStyle/>
+          <a:p>
+            <a:pPr algn="ctr"/>
+            <a:endParaRPr lang="fr-FR" dirty="0"/>
+          </a:p>
+        </p:txBody>
+      </p:sp>
+      <p:sp>
+        <p:nvSpPr>
+          <p:cNvPr id="23" name="Rounded Rectangle 22">
+            <a:extLst>
+              <a:ext uri="{FF2B5EF4-FFF2-40B4-BE49-F238E27FC236}">
+                <a16:creationId xmlns:a16="http://schemas.microsoft.com/office/drawing/2014/main" id="{C8233F7D-BB03-7148-89E6-08D27048DC0A}"/>
+              </a:ext>
+            </a:extLst>
+          </p:cNvPr>
+          <p:cNvSpPr/>
+          <p:nvPr/>
+        </p:nvSpPr>
+        <p:spPr>
+          <a:xfrm>
+            <a:off x="1136824" y="5811840"/>
+            <a:ext cx="185352" cy="794816"/>
+          </a:xfrm>
+          <a:prstGeom prst="roundRect">
+            <a:avLst/>
+          </a:prstGeom>
+          <a:solidFill>
+            <a:schemeClr val="tx1"/>
+          </a:solidFill>
+        </p:spPr>
+        <p:style>
+          <a:lnRef idx="2">
+            <a:schemeClr val="accent1">
+              <a:shade val="50000"/>
+            </a:schemeClr>
+          </a:lnRef>
+          <a:fillRef idx="1">
+            <a:schemeClr val="accent1"/>
+          </a:fillRef>
+          <a:effectRef idx="0">
+            <a:schemeClr val="accent1"/>
+          </a:effectRef>
+          <a:fontRef idx="minor">
+            <a:schemeClr val="lt1"/>
+          </a:fontRef>
+        </p:style>
+        <p:txBody>
+          <a:bodyPr rtlCol="0" anchor="ctr"/>
+          <a:lstStyle/>
+          <a:p>
+            <a:pPr algn="ctr"/>
+            <a:endParaRPr lang="fr-FR"/>
+          </a:p>
+        </p:txBody>
+      </p:sp>
+      <p:sp>
+        <p:nvSpPr>
+          <p:cNvPr id="9" name="Oval 8">
+            <a:extLst>
+              <a:ext uri="{FF2B5EF4-FFF2-40B4-BE49-F238E27FC236}">
+                <a16:creationId xmlns:a16="http://schemas.microsoft.com/office/drawing/2014/main" id="{39F49361-C205-C546-86B7-462438ACE59F}"/>
+              </a:ext>
+            </a:extLst>
+          </p:cNvPr>
+          <p:cNvSpPr/>
+          <p:nvPr/>
+        </p:nvSpPr>
+        <p:spPr>
+          <a:xfrm>
+            <a:off x="917379" y="5774769"/>
+            <a:ext cx="451945" cy="266131"/>
+          </a:xfrm>
+          <a:prstGeom prst="ellipse">
+            <a:avLst/>
+          </a:prstGeom>
+          <a:noFill/>
+          <a:ln>
+            <a:solidFill>
+              <a:srgbClr val="FF0000"/>
+            </a:solidFill>
+          </a:ln>
+        </p:spPr>
+        <p:style>
+          <a:lnRef idx="2">
+            <a:schemeClr val="accent1">
+              <a:shade val="50000"/>
+            </a:schemeClr>
+          </a:lnRef>
+          <a:fillRef idx="1">
+            <a:schemeClr val="accent1"/>
+          </a:fillRef>
+          <a:effectRef idx="0">
+            <a:schemeClr val="accent1"/>
+          </a:effectRef>
+          <a:fontRef idx="minor">
+            <a:schemeClr val="lt1"/>
+          </a:fontRef>
+        </p:style>
+        <p:txBody>
+          <a:bodyPr rtlCol="0" anchor="ctr"/>
+          <a:lstStyle/>
+          <a:p>
+            <a:pPr algn="ctr"/>
+            <a:endParaRPr lang="fr-FR" dirty="0"/>
+          </a:p>
+        </p:txBody>
+      </p:sp>
     </p:spTree>
     <p:extLst>
       <p:ext uri="{BB962C8B-B14F-4D97-AF65-F5344CB8AC3E}">
-        <p14:creationId xmlns:p14="http://schemas.microsoft.com/office/powerpoint/2010/main" val="2649911132"/>
+        <p14:creationId xmlns:p14="http://schemas.microsoft.com/office/powerpoint/2010/main" val="2221842287"/>
       </p:ext>
     </p:extLst>
   </p:cSld>
@@ -3489,10 +4592,10 @@
       </p:grpSpPr>
       <p:pic>
         <p:nvPicPr>
-          <p:cNvPr id="7" name="Picture 6" descr="A close up of a map&#10;&#10;Description automatically generated">
-            <a:extLst>
-              <a:ext uri="{FF2B5EF4-FFF2-40B4-BE49-F238E27FC236}">
-                <a16:creationId xmlns:a16="http://schemas.microsoft.com/office/drawing/2014/main" id="{A1C8FA20-AEF8-6641-A787-58B349185FFD}"/>
+          <p:cNvPr id="3" name="Picture 2" descr="A screenshot of a cell phone&#10;&#10;Description automatically generated">
+            <a:extLst>
+              <a:ext uri="{FF2B5EF4-FFF2-40B4-BE49-F238E27FC236}">
+                <a16:creationId xmlns:a16="http://schemas.microsoft.com/office/drawing/2014/main" id="{8C15068B-C5E1-A14A-A7B5-E88BBA5D5846}"/>
               </a:ext>
             </a:extLst>
           </p:cNvPr>
@@ -3509,18 +4612,94 @@
         </p:blipFill>
         <p:spPr>
           <a:xfrm>
-            <a:off x="0" y="1130601"/>
-            <a:ext cx="12192000" cy="4596798"/>
+            <a:off x="0" y="1404979"/>
+            <a:ext cx="12192000" cy="4048042"/>
           </a:xfrm>
           <a:prstGeom prst="rect">
             <a:avLst/>
           </a:prstGeom>
         </p:spPr>
       </p:pic>
+      <p:sp>
+        <p:nvSpPr>
+          <p:cNvPr id="4" name="TextBox 3">
+            <a:extLst>
+              <a:ext uri="{FF2B5EF4-FFF2-40B4-BE49-F238E27FC236}">
+                <a16:creationId xmlns:a16="http://schemas.microsoft.com/office/drawing/2014/main" id="{4396855B-56D9-914E-80DA-2E65331FD844}"/>
+              </a:ext>
+            </a:extLst>
+          </p:cNvPr>
+          <p:cNvSpPr txBox="1"/>
+          <p:nvPr/>
+        </p:nvSpPr>
+        <p:spPr>
+          <a:xfrm>
+            <a:off x="3550495" y="474954"/>
+            <a:ext cx="5091009" cy="369332"/>
+          </a:xfrm>
+          <a:prstGeom prst="rect">
+            <a:avLst/>
+          </a:prstGeom>
+          <a:noFill/>
+        </p:spPr>
+        <p:txBody>
+          <a:bodyPr wrap="none" rtlCol="0">
+            <a:spAutoFit/>
+          </a:bodyPr>
+          <a:lstStyle/>
+          <a:p>
+            <a:r>
+              <a:rPr lang="fr-FR" dirty="0"/>
+              <a:t>Histogramme des évènements par chambre en 2018</a:t>
+            </a:r>
+          </a:p>
+        </p:txBody>
+      </p:sp>
+      <p:sp>
+        <p:nvSpPr>
+          <p:cNvPr id="6" name="TextBox 5">
+            <a:extLst>
+              <a:ext uri="{FF2B5EF4-FFF2-40B4-BE49-F238E27FC236}">
+                <a16:creationId xmlns:a16="http://schemas.microsoft.com/office/drawing/2014/main" id="{736CC0AA-F12B-2746-8324-B0A2D1829DD2}"/>
+              </a:ext>
+            </a:extLst>
+          </p:cNvPr>
+          <p:cNvSpPr txBox="1"/>
+          <p:nvPr/>
+        </p:nvSpPr>
+        <p:spPr>
+          <a:xfrm>
+            <a:off x="1881352" y="5864772"/>
+            <a:ext cx="7320081" cy="646331"/>
+          </a:xfrm>
+          <a:prstGeom prst="rect">
+            <a:avLst/>
+          </a:prstGeom>
+          <a:noFill/>
+        </p:spPr>
+        <p:txBody>
+          <a:bodyPr wrap="none" rtlCol="0">
+            <a:spAutoFit/>
+          </a:bodyPr>
+          <a:lstStyle/>
+          <a:p>
+            <a:r>
+              <a:rPr lang="fr-FR" dirty="0"/>
+              <a:t>MHT: données brutes du système d’enregistrement</a:t>
+            </a:r>
+          </a:p>
+          <a:p>
+            <a:r>
+              <a:rPr lang="fr-FR" dirty="0"/>
+              <a:t>Activités: données agrégées en groupe (1 TAG + 1 entrée ou 1 TAG + 1 sortie)</a:t>
+            </a:r>
+          </a:p>
+        </p:txBody>
+      </p:sp>
     </p:spTree>
     <p:extLst>
       <p:ext uri="{BB962C8B-B14F-4D97-AF65-F5344CB8AC3E}">
-        <p14:creationId xmlns:p14="http://schemas.microsoft.com/office/powerpoint/2010/main" val="1803847108"/>
+        <p14:creationId xmlns:p14="http://schemas.microsoft.com/office/powerpoint/2010/main" val="2649911132"/>
       </p:ext>
     </p:extLst>
   </p:cSld>
@@ -3547,12 +4726,47 @@
           <a:chExt cx="0" cy="0"/>
         </a:xfrm>
       </p:grpSpPr>
+      <p:sp>
+        <p:nvSpPr>
+          <p:cNvPr id="4" name="TextBox 3">
+            <a:extLst>
+              <a:ext uri="{FF2B5EF4-FFF2-40B4-BE49-F238E27FC236}">
+                <a16:creationId xmlns:a16="http://schemas.microsoft.com/office/drawing/2014/main" id="{278C16CC-1C14-A741-BF33-5E06D365F741}"/>
+              </a:ext>
+            </a:extLst>
+          </p:cNvPr>
+          <p:cNvSpPr txBox="1"/>
+          <p:nvPr/>
+        </p:nvSpPr>
+        <p:spPr>
+          <a:xfrm>
+            <a:off x="3382596" y="498709"/>
+            <a:ext cx="5426807" cy="369332"/>
+          </a:xfrm>
+          <a:prstGeom prst="rect">
+            <a:avLst/>
+          </a:prstGeom>
+          <a:noFill/>
+        </p:spPr>
+        <p:txBody>
+          <a:bodyPr wrap="none" rtlCol="0">
+            <a:spAutoFit/>
+          </a:bodyPr>
+          <a:lstStyle/>
+          <a:p>
+            <a:r>
+              <a:rPr lang="fr-FR" dirty="0"/>
+              <a:t>Correspondance des évènements par personne en 2018</a:t>
+            </a:r>
+          </a:p>
+        </p:txBody>
+      </p:sp>
       <p:pic>
         <p:nvPicPr>
-          <p:cNvPr id="7" name="Picture 6" descr="A close up of a map&#10;&#10;Description automatically generated">
-            <a:extLst>
-              <a:ext uri="{FF2B5EF4-FFF2-40B4-BE49-F238E27FC236}">
-                <a16:creationId xmlns:a16="http://schemas.microsoft.com/office/drawing/2014/main" id="{8A1731F9-2715-3A43-8787-8251547AEA7F}"/>
+          <p:cNvPr id="5" name="Picture 4" descr="A close up of a map&#10;&#10;Description automatically generated">
+            <a:extLst>
+              <a:ext uri="{FF2B5EF4-FFF2-40B4-BE49-F238E27FC236}">
+                <a16:creationId xmlns:a16="http://schemas.microsoft.com/office/drawing/2014/main" id="{82F9A378-B69E-D747-8774-4F3FF55D9FF0}"/>
               </a:ext>
             </a:extLst>
           </p:cNvPr>
@@ -3569,18 +4783,53 @@
         </p:blipFill>
         <p:spPr>
           <a:xfrm>
-            <a:off x="0" y="1155723"/>
-            <a:ext cx="12192000" cy="4546553"/>
+            <a:off x="0" y="1255824"/>
+            <a:ext cx="12192000" cy="4346351"/>
           </a:xfrm>
           <a:prstGeom prst="rect">
             <a:avLst/>
           </a:prstGeom>
         </p:spPr>
       </p:pic>
+      <p:sp>
+        <p:nvSpPr>
+          <p:cNvPr id="6" name="TextBox 5">
+            <a:extLst>
+              <a:ext uri="{FF2B5EF4-FFF2-40B4-BE49-F238E27FC236}">
+                <a16:creationId xmlns:a16="http://schemas.microsoft.com/office/drawing/2014/main" id="{2433A16A-858F-1F4E-BED1-93DC731FF4C0}"/>
+              </a:ext>
+            </a:extLst>
+          </p:cNvPr>
+          <p:cNvSpPr txBox="1"/>
+          <p:nvPr/>
+        </p:nvSpPr>
+        <p:spPr>
+          <a:xfrm>
+            <a:off x="1176575" y="5989958"/>
+            <a:ext cx="4919424" cy="369332"/>
+          </a:xfrm>
+          <a:prstGeom prst="rect">
+            <a:avLst/>
+          </a:prstGeom>
+          <a:noFill/>
+        </p:spPr>
+        <p:txBody>
+          <a:bodyPr wrap="none" rtlCol="0">
+            <a:spAutoFit/>
+          </a:bodyPr>
+          <a:lstStyle/>
+          <a:p>
+            <a:r>
+              <a:rPr lang="fr-FR" dirty="0"/>
+              <a:t>Relation linéaire entre données brutes et agrégées</a:t>
+            </a:r>
+          </a:p>
+        </p:txBody>
+      </p:sp>
     </p:spTree>
     <p:extLst>
       <p:ext uri="{BB962C8B-B14F-4D97-AF65-F5344CB8AC3E}">
-        <p14:creationId xmlns:p14="http://schemas.microsoft.com/office/powerpoint/2010/main" val="1924891146"/>
+        <p14:creationId xmlns:p14="http://schemas.microsoft.com/office/powerpoint/2010/main" val="1803847108"/>
       </p:ext>
     </p:extLst>
   </p:cSld>
@@ -3607,6 +4856,77 @@
           <a:chExt cx="0" cy="0"/>
         </a:xfrm>
       </p:grpSpPr>
+      <p:pic>
+        <p:nvPicPr>
+          <p:cNvPr id="3" name="Picture 2" descr="A close up of a map&#10;&#10;Description automatically generated">
+            <a:extLst>
+              <a:ext uri="{FF2B5EF4-FFF2-40B4-BE49-F238E27FC236}">
+                <a16:creationId xmlns:a16="http://schemas.microsoft.com/office/drawing/2014/main" id="{90C81F19-D2A0-7A4E-AAD3-18A619994A20}"/>
+              </a:ext>
+            </a:extLst>
+          </p:cNvPr>
+          <p:cNvPicPr>
+            <a:picLocks noChangeAspect="1"/>
+          </p:cNvPicPr>
+          <p:nvPr/>
+        </p:nvPicPr>
+        <p:blipFill>
+          <a:blip r:embed="rId2"/>
+          <a:stretch>
+            <a:fillRect/>
+          </a:stretch>
+        </p:blipFill>
+        <p:spPr>
+          <a:xfrm>
+            <a:off x="0" y="1255824"/>
+            <a:ext cx="12192000" cy="4346351"/>
+          </a:xfrm>
+          <a:prstGeom prst="rect">
+            <a:avLst/>
+          </a:prstGeom>
+        </p:spPr>
+      </p:pic>
+      <p:sp>
+        <p:nvSpPr>
+          <p:cNvPr id="4" name="TextBox 3">
+            <a:extLst>
+              <a:ext uri="{FF2B5EF4-FFF2-40B4-BE49-F238E27FC236}">
+                <a16:creationId xmlns:a16="http://schemas.microsoft.com/office/drawing/2014/main" id="{83CA9A69-3C8F-944E-93AC-2E8B1707634F}"/>
+              </a:ext>
+            </a:extLst>
+          </p:cNvPr>
+          <p:cNvSpPr txBox="1"/>
+          <p:nvPr/>
+        </p:nvSpPr>
+        <p:spPr>
+          <a:xfrm>
+            <a:off x="3382596" y="498709"/>
+            <a:ext cx="5426807" cy="646331"/>
+          </a:xfrm>
+          <a:prstGeom prst="rect">
+            <a:avLst/>
+          </a:prstGeom>
+          <a:noFill/>
+        </p:spPr>
+        <p:txBody>
+          <a:bodyPr wrap="none" rtlCol="0">
+            <a:spAutoFit/>
+          </a:bodyPr>
+          <a:lstStyle/>
+          <a:p>
+            <a:r>
+              <a:rPr lang="fr-FR" dirty="0"/>
+              <a:t>Correspondance des évènements par personne en 2018</a:t>
+            </a:r>
+          </a:p>
+          <a:p>
+            <a:r>
+              <a:rPr lang="fr-FR" dirty="0"/>
+              <a:t>ZOOM</a:t>
+            </a:r>
+          </a:p>
+        </p:txBody>
+      </p:sp>
     </p:spTree>
     <p:extLst>
       <p:ext uri="{BB962C8B-B14F-4D97-AF65-F5344CB8AC3E}">
@@ -3637,10 +4957,436 @@
           <a:chExt cx="0" cy="0"/>
         </a:xfrm>
       </p:grpSpPr>
+      <p:pic>
+        <p:nvPicPr>
+          <p:cNvPr id="3" name="Picture 2" descr="A screenshot of a cell phone&#10;&#10;Description automatically generated">
+            <a:extLst>
+              <a:ext uri="{FF2B5EF4-FFF2-40B4-BE49-F238E27FC236}">
+                <a16:creationId xmlns:a16="http://schemas.microsoft.com/office/drawing/2014/main" id="{88E20084-A146-5641-8F74-D7777F90DC8D}"/>
+              </a:ext>
+            </a:extLst>
+          </p:cNvPr>
+          <p:cNvPicPr>
+            <a:picLocks noChangeAspect="1"/>
+          </p:cNvPicPr>
+          <p:nvPr/>
+        </p:nvPicPr>
+        <p:blipFill>
+          <a:blip r:embed="rId2"/>
+          <a:stretch>
+            <a:fillRect/>
+          </a:stretch>
+        </p:blipFill>
+        <p:spPr>
+          <a:xfrm>
+            <a:off x="0" y="1504655"/>
+            <a:ext cx="12192000" cy="3848689"/>
+          </a:xfrm>
+          <a:prstGeom prst="rect">
+            <a:avLst/>
+          </a:prstGeom>
+        </p:spPr>
+      </p:pic>
+      <p:sp>
+        <p:nvSpPr>
+          <p:cNvPr id="4" name="TextBox 3">
+            <a:extLst>
+              <a:ext uri="{FF2B5EF4-FFF2-40B4-BE49-F238E27FC236}">
+                <a16:creationId xmlns:a16="http://schemas.microsoft.com/office/drawing/2014/main" id="{8CEAA1C0-909A-A149-902A-3A9F73B920F3}"/>
+              </a:ext>
+            </a:extLst>
+          </p:cNvPr>
+          <p:cNvSpPr txBox="1"/>
+          <p:nvPr/>
+        </p:nvSpPr>
+        <p:spPr>
+          <a:xfrm>
+            <a:off x="4066758" y="593125"/>
+            <a:ext cx="4058483" cy="369332"/>
+          </a:xfrm>
+          <a:prstGeom prst="rect">
+            <a:avLst/>
+          </a:prstGeom>
+          <a:noFill/>
+        </p:spPr>
+        <p:txBody>
+          <a:bodyPr wrap="none" rtlCol="0">
+            <a:spAutoFit/>
+          </a:bodyPr>
+          <a:lstStyle/>
+          <a:p>
+            <a:r>
+              <a:rPr lang="fr-FR" dirty="0"/>
+              <a:t>Nombre d’activités par personne en 2018</a:t>
+            </a:r>
+          </a:p>
+        </p:txBody>
+      </p:sp>
     </p:spTree>
     <p:extLst>
       <p:ext uri="{BB962C8B-B14F-4D97-AF65-F5344CB8AC3E}">
-        <p14:creationId xmlns:p14="http://schemas.microsoft.com/office/powerpoint/2010/main" val="2221842287"/>
+        <p14:creationId xmlns:p14="http://schemas.microsoft.com/office/powerpoint/2010/main" val="3452888869"/>
+      </p:ext>
+    </p:extLst>
+  </p:cSld>
+  <p:clrMapOvr>
+    <a:masterClrMapping/>
+  </p:clrMapOvr>
+</p:sld>
+</file>
+
+<file path=ppt/slides/slide7.xml><?xml version="1.0" encoding="utf-8"?>
+<p:sld xmlns:a="http://schemas.openxmlformats.org/drawingml/2006/main" xmlns:r="http://schemas.openxmlformats.org/officeDocument/2006/relationships" xmlns:p="http://schemas.openxmlformats.org/presentationml/2006/main">
+  <p:cSld>
+    <p:spTree>
+      <p:nvGrpSpPr>
+        <p:cNvPr id="1" name=""/>
+        <p:cNvGrpSpPr/>
+        <p:nvPr/>
+      </p:nvGrpSpPr>
+      <p:grpSpPr>
+        <a:xfrm>
+          <a:off x="0" y="0"/>
+          <a:ext cx="0" cy="0"/>
+          <a:chOff x="0" y="0"/>
+          <a:chExt cx="0" cy="0"/>
+        </a:xfrm>
+      </p:grpSpPr>
+      <p:pic>
+        <p:nvPicPr>
+          <p:cNvPr id="3" name="Picture 2" descr="A screenshot of a cell phone&#10;&#10;Description automatically generated">
+            <a:extLst>
+              <a:ext uri="{FF2B5EF4-FFF2-40B4-BE49-F238E27FC236}">
+                <a16:creationId xmlns:a16="http://schemas.microsoft.com/office/drawing/2014/main" id="{E713D459-5A2E-8E4F-975A-F5080FA2E85A}"/>
+              </a:ext>
+            </a:extLst>
+          </p:cNvPr>
+          <p:cNvPicPr>
+            <a:picLocks noChangeAspect="1"/>
+          </p:cNvPicPr>
+          <p:nvPr/>
+        </p:nvPicPr>
+        <p:blipFill>
+          <a:blip r:embed="rId2"/>
+          <a:stretch>
+            <a:fillRect/>
+          </a:stretch>
+        </p:blipFill>
+        <p:spPr>
+          <a:xfrm>
+            <a:off x="0" y="1256944"/>
+            <a:ext cx="12192000" cy="4344112"/>
+          </a:xfrm>
+          <a:prstGeom prst="rect">
+            <a:avLst/>
+          </a:prstGeom>
+        </p:spPr>
+      </p:pic>
+      <p:sp>
+        <p:nvSpPr>
+          <p:cNvPr id="4" name="TextBox 3">
+            <a:extLst>
+              <a:ext uri="{FF2B5EF4-FFF2-40B4-BE49-F238E27FC236}">
+                <a16:creationId xmlns:a16="http://schemas.microsoft.com/office/drawing/2014/main" id="{4E24C4F4-C5E4-DA4F-98E9-A52C6A48E060}"/>
+              </a:ext>
+            </a:extLst>
+          </p:cNvPr>
+          <p:cNvSpPr txBox="1"/>
+          <p:nvPr/>
+        </p:nvSpPr>
+        <p:spPr>
+          <a:xfrm>
+            <a:off x="4066758" y="506628"/>
+            <a:ext cx="4058483" cy="646331"/>
+          </a:xfrm>
+          <a:prstGeom prst="rect">
+            <a:avLst/>
+          </a:prstGeom>
+          <a:noFill/>
+        </p:spPr>
+        <p:txBody>
+          <a:bodyPr wrap="none" rtlCol="0">
+            <a:spAutoFit/>
+          </a:bodyPr>
+          <a:lstStyle/>
+          <a:p>
+            <a:r>
+              <a:rPr lang="fr-FR" dirty="0"/>
+              <a:t>Nombre d’activités par personne en 2018</a:t>
+            </a:r>
+          </a:p>
+          <a:p>
+            <a:r>
+              <a:rPr lang="fr-FR" dirty="0"/>
+              <a:t>si supérieur à 200 --&gt; N = 58</a:t>
+            </a:r>
+          </a:p>
+        </p:txBody>
+      </p:sp>
+    </p:spTree>
+    <p:extLst>
+      <p:ext uri="{BB962C8B-B14F-4D97-AF65-F5344CB8AC3E}">
+        <p14:creationId xmlns:p14="http://schemas.microsoft.com/office/powerpoint/2010/main" val="3876141425"/>
+      </p:ext>
+    </p:extLst>
+  </p:cSld>
+  <p:clrMapOvr>
+    <a:masterClrMapping/>
+  </p:clrMapOvr>
+</p:sld>
+</file>
+
+<file path=ppt/slides/slide8.xml><?xml version="1.0" encoding="utf-8"?>
+<p:sld xmlns:a="http://schemas.openxmlformats.org/drawingml/2006/main" xmlns:r="http://schemas.openxmlformats.org/officeDocument/2006/relationships" xmlns:p="http://schemas.openxmlformats.org/presentationml/2006/main">
+  <p:cSld>
+    <p:spTree>
+      <p:nvGrpSpPr>
+        <p:cNvPr id="1" name=""/>
+        <p:cNvGrpSpPr/>
+        <p:nvPr/>
+      </p:nvGrpSpPr>
+      <p:grpSpPr>
+        <a:xfrm>
+          <a:off x="0" y="0"/>
+          <a:ext cx="0" cy="0"/>
+          <a:chOff x="0" y="0"/>
+          <a:chExt cx="0" cy="0"/>
+        </a:xfrm>
+      </p:grpSpPr>
+      <p:pic>
+        <p:nvPicPr>
+          <p:cNvPr id="3" name="Picture 2" descr="A screenshot of a cell phone&#10;&#10;Description automatically generated">
+            <a:extLst>
+              <a:ext uri="{FF2B5EF4-FFF2-40B4-BE49-F238E27FC236}">
+                <a16:creationId xmlns:a16="http://schemas.microsoft.com/office/drawing/2014/main" id="{BCE1D793-7A2C-CE45-BA9C-6EFE110C7B29}"/>
+              </a:ext>
+            </a:extLst>
+          </p:cNvPr>
+          <p:cNvPicPr>
+            <a:picLocks noChangeAspect="1"/>
+          </p:cNvPicPr>
+          <p:nvPr/>
+        </p:nvPicPr>
+        <p:blipFill>
+          <a:blip r:embed="rId2"/>
+          <a:stretch>
+            <a:fillRect/>
+          </a:stretch>
+        </p:blipFill>
+        <p:spPr>
+          <a:xfrm>
+            <a:off x="0" y="1063843"/>
+            <a:ext cx="12192000" cy="4730313"/>
+          </a:xfrm>
+          <a:prstGeom prst="rect">
+            <a:avLst/>
+          </a:prstGeom>
+        </p:spPr>
+      </p:pic>
+      <p:sp>
+        <p:nvSpPr>
+          <p:cNvPr id="4" name="TextBox 3">
+            <a:extLst>
+              <a:ext uri="{FF2B5EF4-FFF2-40B4-BE49-F238E27FC236}">
+                <a16:creationId xmlns:a16="http://schemas.microsoft.com/office/drawing/2014/main" id="{C9351223-1A3C-E447-9DB4-9F7687076368}"/>
+              </a:ext>
+            </a:extLst>
+          </p:cNvPr>
+          <p:cNvSpPr txBox="1"/>
+          <p:nvPr/>
+        </p:nvSpPr>
+        <p:spPr>
+          <a:xfrm>
+            <a:off x="3236980" y="247135"/>
+            <a:ext cx="5718040" cy="369332"/>
+          </a:xfrm>
+          <a:prstGeom prst="rect">
+            <a:avLst/>
+          </a:prstGeom>
+          <a:noFill/>
+        </p:spPr>
+        <p:txBody>
+          <a:bodyPr wrap="none" rtlCol="0">
+            <a:spAutoFit/>
+          </a:bodyPr>
+          <a:lstStyle/>
+          <a:p>
+            <a:r>
+              <a:rPr lang="fr-FR" dirty="0"/>
+              <a:t>Pourcentage d’activités valides (non rejetées) par personne</a:t>
+            </a:r>
+          </a:p>
+        </p:txBody>
+      </p:sp>
+      <p:sp>
+        <p:nvSpPr>
+          <p:cNvPr id="5" name="TextBox 4">
+            <a:extLst>
+              <a:ext uri="{FF2B5EF4-FFF2-40B4-BE49-F238E27FC236}">
+                <a16:creationId xmlns:a16="http://schemas.microsoft.com/office/drawing/2014/main" id="{A3D3A388-228E-E34E-A9D4-EA5D87480AF3}"/>
+              </a:ext>
+            </a:extLst>
+          </p:cNvPr>
+          <p:cNvSpPr txBox="1"/>
+          <p:nvPr/>
+        </p:nvSpPr>
+        <p:spPr>
+          <a:xfrm>
+            <a:off x="1569308" y="5794156"/>
+            <a:ext cx="4112344" cy="369332"/>
+          </a:xfrm>
+          <a:prstGeom prst="rect">
+            <a:avLst/>
+          </a:prstGeom>
+          <a:noFill/>
+        </p:spPr>
+        <p:txBody>
+          <a:bodyPr wrap="none" rtlCol="0">
+            <a:spAutoFit/>
+          </a:bodyPr>
+          <a:lstStyle/>
+          <a:p>
+            <a:r>
+              <a:rPr lang="fr-FR" dirty="0"/>
+              <a:t>Les soignants ont ~92 % d’activités valides</a:t>
+            </a:r>
+          </a:p>
+        </p:txBody>
+      </p:sp>
+      <p:sp>
+        <p:nvSpPr>
+          <p:cNvPr id="6" name="TextBox 5">
+            <a:extLst>
+              <a:ext uri="{FF2B5EF4-FFF2-40B4-BE49-F238E27FC236}">
+                <a16:creationId xmlns:a16="http://schemas.microsoft.com/office/drawing/2014/main" id="{EC681795-1BF6-3B4F-821C-B09D0857889E}"/>
+              </a:ext>
+            </a:extLst>
+          </p:cNvPr>
+          <p:cNvSpPr txBox="1"/>
+          <p:nvPr/>
+        </p:nvSpPr>
+        <p:spPr>
+          <a:xfrm>
+            <a:off x="7006282" y="5918366"/>
+            <a:ext cx="4112344" cy="646331"/>
+          </a:xfrm>
+          <a:prstGeom prst="rect">
+            <a:avLst/>
+          </a:prstGeom>
+          <a:noFill/>
+        </p:spPr>
+        <p:txBody>
+          <a:bodyPr wrap="square" rtlCol="0">
+            <a:spAutoFit/>
+          </a:bodyPr>
+          <a:lstStyle/>
+          <a:p>
+            <a:r>
+              <a:rPr lang="fr-FR" dirty="0"/>
+              <a:t>Les taux bas sont drivés par les personnes ayant le moins d’activités</a:t>
+            </a:r>
+          </a:p>
+        </p:txBody>
+      </p:sp>
+    </p:spTree>
+    <p:extLst>
+      <p:ext uri="{BB962C8B-B14F-4D97-AF65-F5344CB8AC3E}">
+        <p14:creationId xmlns:p14="http://schemas.microsoft.com/office/powerpoint/2010/main" val="2720057354"/>
+      </p:ext>
+    </p:extLst>
+  </p:cSld>
+  <p:clrMapOvr>
+    <a:masterClrMapping/>
+  </p:clrMapOvr>
+</p:sld>
+</file>
+
+<file path=ppt/slides/slide9.xml><?xml version="1.0" encoding="utf-8"?>
+<p:sld xmlns:a="http://schemas.openxmlformats.org/drawingml/2006/main" xmlns:r="http://schemas.openxmlformats.org/officeDocument/2006/relationships" xmlns:p="http://schemas.openxmlformats.org/presentationml/2006/main">
+  <p:cSld>
+    <p:spTree>
+      <p:nvGrpSpPr>
+        <p:cNvPr id="1" name=""/>
+        <p:cNvGrpSpPr/>
+        <p:nvPr/>
+      </p:nvGrpSpPr>
+      <p:grpSpPr>
+        <a:xfrm>
+          <a:off x="0" y="0"/>
+          <a:ext cx="0" cy="0"/>
+          <a:chOff x="0" y="0"/>
+          <a:chExt cx="0" cy="0"/>
+        </a:xfrm>
+      </p:grpSpPr>
+      <p:pic>
+        <p:nvPicPr>
+          <p:cNvPr id="3" name="Picture 2" descr="A screenshot of a cell phone&#10;&#10;Description automatically generated">
+            <a:extLst>
+              <a:ext uri="{FF2B5EF4-FFF2-40B4-BE49-F238E27FC236}">
+                <a16:creationId xmlns:a16="http://schemas.microsoft.com/office/drawing/2014/main" id="{024D55EA-258D-A945-801F-1D532178BFC6}"/>
+              </a:ext>
+            </a:extLst>
+          </p:cNvPr>
+          <p:cNvPicPr>
+            <a:picLocks noChangeAspect="1"/>
+          </p:cNvPicPr>
+          <p:nvPr/>
+        </p:nvPicPr>
+        <p:blipFill>
+          <a:blip r:embed="rId2"/>
+          <a:stretch>
+            <a:fillRect/>
+          </a:stretch>
+        </p:blipFill>
+        <p:spPr>
+          <a:xfrm>
+            <a:off x="0" y="976124"/>
+            <a:ext cx="12192000" cy="4905752"/>
+          </a:xfrm>
+          <a:prstGeom prst="rect">
+            <a:avLst/>
+          </a:prstGeom>
+        </p:spPr>
+      </p:pic>
+      <p:sp>
+        <p:nvSpPr>
+          <p:cNvPr id="4" name="TextBox 3">
+            <a:extLst>
+              <a:ext uri="{FF2B5EF4-FFF2-40B4-BE49-F238E27FC236}">
+                <a16:creationId xmlns:a16="http://schemas.microsoft.com/office/drawing/2014/main" id="{48E505A8-2DF9-A34F-83A8-CFF99AB76226}"/>
+              </a:ext>
+            </a:extLst>
+          </p:cNvPr>
+          <p:cNvSpPr txBox="1"/>
+          <p:nvPr/>
+        </p:nvSpPr>
+        <p:spPr>
+          <a:xfrm>
+            <a:off x="3236980" y="247135"/>
+            <a:ext cx="5662897" cy="369332"/>
+          </a:xfrm>
+          <a:prstGeom prst="rect">
+            <a:avLst/>
+          </a:prstGeom>
+          <a:noFill/>
+        </p:spPr>
+        <p:txBody>
+          <a:bodyPr wrap="none" rtlCol="0">
+            <a:spAutoFit/>
+          </a:bodyPr>
+          <a:lstStyle/>
+          <a:p>
+            <a:r>
+              <a:rPr lang="fr-FR" dirty="0"/>
+              <a:t>Pourcentage d’activités valides (non rejetées) par chambre</a:t>
+            </a:r>
+          </a:p>
+        </p:txBody>
+      </p:sp>
+    </p:spTree>
+    <p:extLst>
+      <p:ext uri="{BB962C8B-B14F-4D97-AF65-F5344CB8AC3E}">
+        <p14:creationId xmlns:p14="http://schemas.microsoft.com/office/powerpoint/2010/main" val="3469661674"/>
       </p:ext>
     </p:extLst>
   </p:cSld>
